--- a/assets/handout.pptx
+++ b/assets/handout.pptx
@@ -7,9 +7,12 @@
   <p:sldIdLst>
     <p:sldId id="256" r:id="rId2"/>
     <p:sldId id="257" r:id="rId3"/>
+    <p:sldId id="258" r:id="rId4"/>
+    <p:sldId id="261" r:id="rId5"/>
+    <p:sldId id="260" r:id="rId6"/>
   </p:sldIdLst>
   <p:sldSz cx="12192000" cy="6858000"/>
-  <p:notesSz cx="6858000" cy="9144000"/>
+  <p:notesSz cx="7010400" cy="9296400"/>
   <p:defaultTextStyle>
     <a:defPPr>
       <a:defRPr lang="en-US"/>
@@ -271,7 +274,7 @@
           <a:p>
             <a:fld id="{AC020873-FE45-4CC4-A65A-D115D274EAE1}" type="datetimeFigureOut">
               <a:rPr lang="en-US" smtClean="0"/>
-              <a:t>11/22/2018</a:t>
+              <a:t>12/7/2018</a:t>
             </a:fld>
             <a:endParaRPr lang="en-US"/>
           </a:p>
@@ -469,7 +472,7 @@
           <a:p>
             <a:fld id="{AC020873-FE45-4CC4-A65A-D115D274EAE1}" type="datetimeFigureOut">
               <a:rPr lang="en-US" smtClean="0"/>
-              <a:t>11/22/2018</a:t>
+              <a:t>12/7/2018</a:t>
             </a:fld>
             <a:endParaRPr lang="en-US"/>
           </a:p>
@@ -677,7 +680,7 @@
           <a:p>
             <a:fld id="{AC020873-FE45-4CC4-A65A-D115D274EAE1}" type="datetimeFigureOut">
               <a:rPr lang="en-US" smtClean="0"/>
-              <a:t>11/22/2018</a:t>
+              <a:t>12/7/2018</a:t>
             </a:fld>
             <a:endParaRPr lang="en-US"/>
           </a:p>
@@ -875,7 +878,7 @@
           <a:p>
             <a:fld id="{AC020873-FE45-4CC4-A65A-D115D274EAE1}" type="datetimeFigureOut">
               <a:rPr lang="en-US" smtClean="0"/>
-              <a:t>11/22/2018</a:t>
+              <a:t>12/7/2018</a:t>
             </a:fld>
             <a:endParaRPr lang="en-US"/>
           </a:p>
@@ -1150,7 +1153,7 @@
           <a:p>
             <a:fld id="{AC020873-FE45-4CC4-A65A-D115D274EAE1}" type="datetimeFigureOut">
               <a:rPr lang="en-US" smtClean="0"/>
-              <a:t>11/22/2018</a:t>
+              <a:t>12/7/2018</a:t>
             </a:fld>
             <a:endParaRPr lang="en-US"/>
           </a:p>
@@ -1415,7 +1418,7 @@
           <a:p>
             <a:fld id="{AC020873-FE45-4CC4-A65A-D115D274EAE1}" type="datetimeFigureOut">
               <a:rPr lang="en-US" smtClean="0"/>
-              <a:t>11/22/2018</a:t>
+              <a:t>12/7/2018</a:t>
             </a:fld>
             <a:endParaRPr lang="en-US"/>
           </a:p>
@@ -1827,7 +1830,7 @@
           <a:p>
             <a:fld id="{AC020873-FE45-4CC4-A65A-D115D274EAE1}" type="datetimeFigureOut">
               <a:rPr lang="en-US" smtClean="0"/>
-              <a:t>11/22/2018</a:t>
+              <a:t>12/7/2018</a:t>
             </a:fld>
             <a:endParaRPr lang="en-US"/>
           </a:p>
@@ -1968,7 +1971,7 @@
           <a:p>
             <a:fld id="{AC020873-FE45-4CC4-A65A-D115D274EAE1}" type="datetimeFigureOut">
               <a:rPr lang="en-US" smtClean="0"/>
-              <a:t>11/22/2018</a:t>
+              <a:t>12/7/2018</a:t>
             </a:fld>
             <a:endParaRPr lang="en-US"/>
           </a:p>
@@ -2081,7 +2084,7 @@
           <a:p>
             <a:fld id="{AC020873-FE45-4CC4-A65A-D115D274EAE1}" type="datetimeFigureOut">
               <a:rPr lang="en-US" smtClean="0"/>
-              <a:t>11/22/2018</a:t>
+              <a:t>12/7/2018</a:t>
             </a:fld>
             <a:endParaRPr lang="en-US"/>
           </a:p>
@@ -2392,7 +2395,7 @@
           <a:p>
             <a:fld id="{AC020873-FE45-4CC4-A65A-D115D274EAE1}" type="datetimeFigureOut">
               <a:rPr lang="en-US" smtClean="0"/>
-              <a:t>11/22/2018</a:t>
+              <a:t>12/7/2018</a:t>
             </a:fld>
             <a:endParaRPr lang="en-US"/>
           </a:p>
@@ -2680,7 +2683,7 @@
           <a:p>
             <a:fld id="{AC020873-FE45-4CC4-A65A-D115D274EAE1}" type="datetimeFigureOut">
               <a:rPr lang="en-US" smtClean="0"/>
-              <a:t>11/22/2018</a:t>
+              <a:t>12/7/2018</a:t>
             </a:fld>
             <a:endParaRPr lang="en-US"/>
           </a:p>
@@ -2921,7 +2924,7 @@
           <a:p>
             <a:fld id="{AC020873-FE45-4CC4-A65A-D115D274EAE1}" type="datetimeFigureOut">
               <a:rPr lang="en-US" smtClean="0"/>
-              <a:t>11/22/2018</a:t>
+              <a:t>12/7/2018</a:t>
             </a:fld>
             <a:endParaRPr lang="en-US"/>
           </a:p>
@@ -3593,14 +3596,22 @@
           <a:p>
             <a:pPr algn="l"/>
             <a:r>
-              <a:rPr lang="en-US" sz="3600" b="1">
+              <a:rPr lang="en-US" sz="3600" b="1" dirty="0">
                 <a:solidFill>
                   <a:srgbClr val="000000"/>
                 </a:solidFill>
               </a:rPr>
-              <a:t>Making with the BBC micro:bit</a:t>
-            </a:r>
-            <a:endParaRPr lang="en-US" sz="3600">
+              <a:t>Wearables with the BBC </a:t>
+            </a:r>
+            <a:r>
+              <a:rPr lang="en-US" sz="3600" b="1" dirty="0" err="1">
+                <a:solidFill>
+                  <a:srgbClr val="000000"/>
+                </a:solidFill>
+              </a:rPr>
+              <a:t>micro:bit</a:t>
+            </a:r>
+            <a:endParaRPr lang="en-US" sz="3600" dirty="0">
               <a:solidFill>
                 <a:srgbClr val="000000"/>
               </a:solidFill>
@@ -4326,6 +4337,621 @@
     <p:extLst>
       <p:ext uri="{BB962C8B-B14F-4D97-AF65-F5344CB8AC3E}">
         <p14:creationId xmlns:p14="http://schemas.microsoft.com/office/powerpoint/2010/main" val="3447956287"/>
+      </p:ext>
+    </p:extLst>
+  </p:cSld>
+  <p:clrMapOvr>
+    <a:masterClrMapping/>
+  </p:clrMapOvr>
+</p:sld>
+</file>
+
+<file path=ppt/slides/slide3.xml><?xml version="1.0" encoding="utf-8"?>
+<p:sld xmlns:a="http://schemas.openxmlformats.org/drawingml/2006/main" xmlns:r="http://schemas.openxmlformats.org/officeDocument/2006/relationships" xmlns:p="http://schemas.openxmlformats.org/presentationml/2006/main">
+  <p:cSld>
+    <p:spTree>
+      <p:nvGrpSpPr>
+        <p:cNvPr id="1" name=""/>
+        <p:cNvGrpSpPr/>
+        <p:nvPr/>
+      </p:nvGrpSpPr>
+      <p:grpSpPr>
+        <a:xfrm>
+          <a:off x="0" y="0"/>
+          <a:ext cx="0" cy="0"/>
+          <a:chOff x="0" y="0"/>
+          <a:chExt cx="0" cy="0"/>
+        </a:xfrm>
+      </p:grpSpPr>
+      <p:cxnSp>
+        <p:nvCxnSpPr>
+          <p:cNvPr id="7" name="Straight Connector 6">
+            <a:extLst>
+              <a:ext uri="{FF2B5EF4-FFF2-40B4-BE49-F238E27FC236}">
+                <a16:creationId xmlns:a16="http://schemas.microsoft.com/office/drawing/2014/main" id="{67A91A23-48C1-4787-9349-F0D31E5FD52D}"/>
+              </a:ext>
+            </a:extLst>
+          </p:cNvPr>
+          <p:cNvCxnSpPr/>
+          <p:nvPr/>
+        </p:nvCxnSpPr>
+        <p:spPr>
+          <a:xfrm>
+            <a:off x="0" y="3429000"/>
+            <a:ext cx="12164291" cy="0"/>
+          </a:xfrm>
+          <a:prstGeom prst="line">
+            <a:avLst/>
+          </a:prstGeom>
+        </p:spPr>
+        <p:style>
+          <a:lnRef idx="1">
+            <a:schemeClr val="accent1"/>
+          </a:lnRef>
+          <a:fillRef idx="0">
+            <a:schemeClr val="accent1"/>
+          </a:fillRef>
+          <a:effectRef idx="0">
+            <a:schemeClr val="accent1"/>
+          </a:effectRef>
+          <a:fontRef idx="minor">
+            <a:schemeClr val="tx1"/>
+          </a:fontRef>
+        </p:style>
+      </p:cxnSp>
+      <p:cxnSp>
+        <p:nvCxnSpPr>
+          <p:cNvPr id="8" name="Straight Connector 7">
+            <a:extLst>
+              <a:ext uri="{FF2B5EF4-FFF2-40B4-BE49-F238E27FC236}">
+                <a16:creationId xmlns:a16="http://schemas.microsoft.com/office/drawing/2014/main" id="{76D90C16-4181-4E56-BF90-4A0744A88C43}"/>
+              </a:ext>
+            </a:extLst>
+          </p:cNvPr>
+          <p:cNvCxnSpPr/>
+          <p:nvPr/>
+        </p:nvCxnSpPr>
+        <p:spPr>
+          <a:xfrm>
+            <a:off x="13854" y="5715795"/>
+            <a:ext cx="12164291" cy="0"/>
+          </a:xfrm>
+          <a:prstGeom prst="line">
+            <a:avLst/>
+          </a:prstGeom>
+        </p:spPr>
+        <p:style>
+          <a:lnRef idx="1">
+            <a:schemeClr val="accent1"/>
+          </a:lnRef>
+          <a:fillRef idx="0">
+            <a:schemeClr val="accent1"/>
+          </a:fillRef>
+          <a:effectRef idx="0">
+            <a:schemeClr val="accent1"/>
+          </a:effectRef>
+          <a:fontRef idx="minor">
+            <a:schemeClr val="tx1"/>
+          </a:fontRef>
+        </p:style>
+      </p:cxnSp>
+      <p:cxnSp>
+        <p:nvCxnSpPr>
+          <p:cNvPr id="9" name="Straight Connector 8">
+            <a:extLst>
+              <a:ext uri="{FF2B5EF4-FFF2-40B4-BE49-F238E27FC236}">
+                <a16:creationId xmlns:a16="http://schemas.microsoft.com/office/drawing/2014/main" id="{85C44495-352E-480A-821A-00CE259F53B8}"/>
+              </a:ext>
+            </a:extLst>
+          </p:cNvPr>
+          <p:cNvCxnSpPr/>
+          <p:nvPr/>
+        </p:nvCxnSpPr>
+        <p:spPr>
+          <a:xfrm>
+            <a:off x="27709" y="1147602"/>
+            <a:ext cx="12164291" cy="0"/>
+          </a:xfrm>
+          <a:prstGeom prst="line">
+            <a:avLst/>
+          </a:prstGeom>
+        </p:spPr>
+        <p:style>
+          <a:lnRef idx="1">
+            <a:schemeClr val="accent1"/>
+          </a:lnRef>
+          <a:fillRef idx="0">
+            <a:schemeClr val="accent1"/>
+          </a:fillRef>
+          <a:effectRef idx="0">
+            <a:schemeClr val="accent1"/>
+          </a:effectRef>
+          <a:fontRef idx="minor">
+            <a:schemeClr val="tx1"/>
+          </a:fontRef>
+        </p:style>
+      </p:cxnSp>
+      <p:sp>
+        <p:nvSpPr>
+          <p:cNvPr id="10" name="TextBox 9">
+            <a:extLst>
+              <a:ext uri="{FF2B5EF4-FFF2-40B4-BE49-F238E27FC236}">
+                <a16:creationId xmlns:a16="http://schemas.microsoft.com/office/drawing/2014/main" id="{EE096087-B07E-4AC9-844A-39F373160A6A}"/>
+              </a:ext>
+            </a:extLst>
+          </p:cNvPr>
+          <p:cNvSpPr txBox="1"/>
+          <p:nvPr/>
+        </p:nvSpPr>
+        <p:spPr>
+          <a:xfrm>
+            <a:off x="49261" y="3479031"/>
+            <a:ext cx="806631" cy="369332"/>
+          </a:xfrm>
+          <a:prstGeom prst="rect">
+            <a:avLst/>
+          </a:prstGeom>
+          <a:noFill/>
+        </p:spPr>
+        <p:txBody>
+          <a:bodyPr wrap="none" rtlCol="0">
+            <a:spAutoFit/>
+          </a:bodyPr>
+          <a:lstStyle/>
+          <a:p>
+            <a:r>
+              <a:rPr lang="en-US" dirty="0"/>
+              <a:t>Name:</a:t>
+            </a:r>
+          </a:p>
+        </p:txBody>
+      </p:sp>
+      <p:sp>
+        <p:nvSpPr>
+          <p:cNvPr id="11" name="TextBox 10">
+            <a:extLst>
+              <a:ext uri="{FF2B5EF4-FFF2-40B4-BE49-F238E27FC236}">
+                <a16:creationId xmlns:a16="http://schemas.microsoft.com/office/drawing/2014/main" id="{2C5950AA-7937-4885-8175-4499D56CC781}"/>
+              </a:ext>
+            </a:extLst>
+          </p:cNvPr>
+          <p:cNvSpPr txBox="1"/>
+          <p:nvPr/>
+        </p:nvSpPr>
+        <p:spPr>
+          <a:xfrm rot="10800000">
+            <a:off x="11385369" y="3059668"/>
+            <a:ext cx="806631" cy="369332"/>
+          </a:xfrm>
+          <a:prstGeom prst="rect">
+            <a:avLst/>
+          </a:prstGeom>
+          <a:noFill/>
+        </p:spPr>
+        <p:txBody>
+          <a:bodyPr wrap="none" rtlCol="0">
+            <a:spAutoFit/>
+          </a:bodyPr>
+          <a:lstStyle/>
+          <a:p>
+            <a:r>
+              <a:rPr lang="en-US" dirty="0"/>
+              <a:t>Name:</a:t>
+            </a:r>
+          </a:p>
+        </p:txBody>
+      </p:sp>
+      <p:sp>
+        <p:nvSpPr>
+          <p:cNvPr id="12" name="TextBox 11">
+            <a:extLst>
+              <a:ext uri="{FF2B5EF4-FFF2-40B4-BE49-F238E27FC236}">
+                <a16:creationId xmlns:a16="http://schemas.microsoft.com/office/drawing/2014/main" id="{AE3455C0-54CF-469D-9292-37DEB803D0C2}"/>
+              </a:ext>
+            </a:extLst>
+          </p:cNvPr>
+          <p:cNvSpPr txBox="1"/>
+          <p:nvPr/>
+        </p:nvSpPr>
+        <p:spPr>
+          <a:xfrm>
+            <a:off x="4071680" y="6116864"/>
+            <a:ext cx="4355231" cy="646331"/>
+          </a:xfrm>
+          <a:prstGeom prst="rect">
+            <a:avLst/>
+          </a:prstGeom>
+          <a:noFill/>
+        </p:spPr>
+        <p:txBody>
+          <a:bodyPr wrap="none" rtlCol="0">
+            <a:spAutoFit/>
+          </a:bodyPr>
+          <a:lstStyle/>
+          <a:p>
+            <a:pPr algn="ctr"/>
+            <a:r>
+              <a:rPr lang="en-US" dirty="0"/>
+              <a:t>Write your name in the space provided</a:t>
+            </a:r>
+          </a:p>
+          <a:p>
+            <a:pPr algn="ctr"/>
+            <a:r>
+              <a:rPr lang="en-US" dirty="0"/>
+              <a:t>Fold on lines &amp; place on desk in front of you.</a:t>
+            </a:r>
+          </a:p>
+        </p:txBody>
+      </p:sp>
+    </p:spTree>
+    <p:extLst>
+      <p:ext uri="{BB962C8B-B14F-4D97-AF65-F5344CB8AC3E}">
+        <p14:creationId xmlns:p14="http://schemas.microsoft.com/office/powerpoint/2010/main" val="2183022323"/>
+      </p:ext>
+    </p:extLst>
+  </p:cSld>
+  <p:clrMapOvr>
+    <a:masterClrMapping/>
+  </p:clrMapOvr>
+</p:sld>
+</file>
+
+<file path=ppt/slides/slide4.xml><?xml version="1.0" encoding="utf-8"?>
+<p:sld xmlns:a="http://schemas.openxmlformats.org/drawingml/2006/main" xmlns:r="http://schemas.openxmlformats.org/officeDocument/2006/relationships" xmlns:p="http://schemas.openxmlformats.org/presentationml/2006/main">
+  <p:cSld>
+    <p:spTree>
+      <p:nvGrpSpPr>
+        <p:cNvPr id="1" name=""/>
+        <p:cNvGrpSpPr/>
+        <p:nvPr/>
+      </p:nvGrpSpPr>
+      <p:grpSpPr>
+        <a:xfrm>
+          <a:off x="0" y="0"/>
+          <a:ext cx="0" cy="0"/>
+          <a:chOff x="0" y="0"/>
+          <a:chExt cx="0" cy="0"/>
+        </a:xfrm>
+      </p:grpSpPr>
+      <p:cxnSp>
+        <p:nvCxnSpPr>
+          <p:cNvPr id="7" name="Straight Connector 6">
+            <a:extLst>
+              <a:ext uri="{FF2B5EF4-FFF2-40B4-BE49-F238E27FC236}">
+                <a16:creationId xmlns:a16="http://schemas.microsoft.com/office/drawing/2014/main" id="{67A91A23-48C1-4787-9349-F0D31E5FD52D}"/>
+              </a:ext>
+            </a:extLst>
+          </p:cNvPr>
+          <p:cNvCxnSpPr/>
+          <p:nvPr/>
+        </p:nvCxnSpPr>
+        <p:spPr>
+          <a:xfrm>
+            <a:off x="0" y="3429000"/>
+            <a:ext cx="12164291" cy="0"/>
+          </a:xfrm>
+          <a:prstGeom prst="line">
+            <a:avLst/>
+          </a:prstGeom>
+        </p:spPr>
+        <p:style>
+          <a:lnRef idx="1">
+            <a:schemeClr val="accent1"/>
+          </a:lnRef>
+          <a:fillRef idx="0">
+            <a:schemeClr val="accent1"/>
+          </a:fillRef>
+          <a:effectRef idx="0">
+            <a:schemeClr val="accent1"/>
+          </a:effectRef>
+          <a:fontRef idx="minor">
+            <a:schemeClr val="tx1"/>
+          </a:fontRef>
+        </p:style>
+      </p:cxnSp>
+      <p:cxnSp>
+        <p:nvCxnSpPr>
+          <p:cNvPr id="8" name="Straight Connector 7">
+            <a:extLst>
+              <a:ext uri="{FF2B5EF4-FFF2-40B4-BE49-F238E27FC236}">
+                <a16:creationId xmlns:a16="http://schemas.microsoft.com/office/drawing/2014/main" id="{76D90C16-4181-4E56-BF90-4A0744A88C43}"/>
+              </a:ext>
+            </a:extLst>
+          </p:cNvPr>
+          <p:cNvCxnSpPr/>
+          <p:nvPr/>
+        </p:nvCxnSpPr>
+        <p:spPr>
+          <a:xfrm>
+            <a:off x="13854" y="5715795"/>
+            <a:ext cx="12164291" cy="0"/>
+          </a:xfrm>
+          <a:prstGeom prst="line">
+            <a:avLst/>
+          </a:prstGeom>
+        </p:spPr>
+        <p:style>
+          <a:lnRef idx="1">
+            <a:schemeClr val="accent1"/>
+          </a:lnRef>
+          <a:fillRef idx="0">
+            <a:schemeClr val="accent1"/>
+          </a:fillRef>
+          <a:effectRef idx="0">
+            <a:schemeClr val="accent1"/>
+          </a:effectRef>
+          <a:fontRef idx="minor">
+            <a:schemeClr val="tx1"/>
+          </a:fontRef>
+        </p:style>
+      </p:cxnSp>
+      <p:cxnSp>
+        <p:nvCxnSpPr>
+          <p:cNvPr id="9" name="Straight Connector 8">
+            <a:extLst>
+              <a:ext uri="{FF2B5EF4-FFF2-40B4-BE49-F238E27FC236}">
+                <a16:creationId xmlns:a16="http://schemas.microsoft.com/office/drawing/2014/main" id="{85C44495-352E-480A-821A-00CE259F53B8}"/>
+              </a:ext>
+            </a:extLst>
+          </p:cNvPr>
+          <p:cNvCxnSpPr/>
+          <p:nvPr/>
+        </p:nvCxnSpPr>
+        <p:spPr>
+          <a:xfrm>
+            <a:off x="27709" y="1147602"/>
+            <a:ext cx="12164291" cy="0"/>
+          </a:xfrm>
+          <a:prstGeom prst="line">
+            <a:avLst/>
+          </a:prstGeom>
+        </p:spPr>
+        <p:style>
+          <a:lnRef idx="1">
+            <a:schemeClr val="accent1"/>
+          </a:lnRef>
+          <a:fillRef idx="0">
+            <a:schemeClr val="accent1"/>
+          </a:fillRef>
+          <a:effectRef idx="0">
+            <a:schemeClr val="accent1"/>
+          </a:effectRef>
+          <a:fontRef idx="minor">
+            <a:schemeClr val="tx1"/>
+          </a:fontRef>
+        </p:style>
+      </p:cxnSp>
+      <p:sp>
+        <p:nvSpPr>
+          <p:cNvPr id="10" name="TextBox 9">
+            <a:extLst>
+              <a:ext uri="{FF2B5EF4-FFF2-40B4-BE49-F238E27FC236}">
+                <a16:creationId xmlns:a16="http://schemas.microsoft.com/office/drawing/2014/main" id="{EE096087-B07E-4AC9-844A-39F373160A6A}"/>
+              </a:ext>
+            </a:extLst>
+          </p:cNvPr>
+          <p:cNvSpPr txBox="1"/>
+          <p:nvPr/>
+        </p:nvSpPr>
+        <p:spPr>
+          <a:xfrm>
+            <a:off x="49261" y="3479031"/>
+            <a:ext cx="806631" cy="369332"/>
+          </a:xfrm>
+          <a:prstGeom prst="rect">
+            <a:avLst/>
+          </a:prstGeom>
+          <a:noFill/>
+        </p:spPr>
+        <p:txBody>
+          <a:bodyPr wrap="none" rtlCol="0">
+            <a:spAutoFit/>
+          </a:bodyPr>
+          <a:lstStyle/>
+          <a:p>
+            <a:r>
+              <a:rPr lang="en-US" dirty="0"/>
+              <a:t>Name:</a:t>
+            </a:r>
+          </a:p>
+        </p:txBody>
+      </p:sp>
+      <p:sp>
+        <p:nvSpPr>
+          <p:cNvPr id="11" name="TextBox 10">
+            <a:extLst>
+              <a:ext uri="{FF2B5EF4-FFF2-40B4-BE49-F238E27FC236}">
+                <a16:creationId xmlns:a16="http://schemas.microsoft.com/office/drawing/2014/main" id="{2C5950AA-7937-4885-8175-4499D56CC781}"/>
+              </a:ext>
+            </a:extLst>
+          </p:cNvPr>
+          <p:cNvSpPr txBox="1"/>
+          <p:nvPr/>
+        </p:nvSpPr>
+        <p:spPr>
+          <a:xfrm rot="10800000">
+            <a:off x="11385369" y="3059668"/>
+            <a:ext cx="806631" cy="369332"/>
+          </a:xfrm>
+          <a:prstGeom prst="rect">
+            <a:avLst/>
+          </a:prstGeom>
+          <a:noFill/>
+        </p:spPr>
+        <p:txBody>
+          <a:bodyPr wrap="none" rtlCol="0">
+            <a:spAutoFit/>
+          </a:bodyPr>
+          <a:lstStyle/>
+          <a:p>
+            <a:r>
+              <a:rPr lang="en-US" dirty="0"/>
+              <a:t>Name:</a:t>
+            </a:r>
+          </a:p>
+        </p:txBody>
+      </p:sp>
+      <p:sp>
+        <p:nvSpPr>
+          <p:cNvPr id="12" name="TextBox 11">
+            <a:extLst>
+              <a:ext uri="{FF2B5EF4-FFF2-40B4-BE49-F238E27FC236}">
+                <a16:creationId xmlns:a16="http://schemas.microsoft.com/office/drawing/2014/main" id="{AE3455C0-54CF-469D-9292-37DEB803D0C2}"/>
+              </a:ext>
+            </a:extLst>
+          </p:cNvPr>
+          <p:cNvSpPr txBox="1"/>
+          <p:nvPr/>
+        </p:nvSpPr>
+        <p:spPr>
+          <a:xfrm>
+            <a:off x="4071680" y="6116864"/>
+            <a:ext cx="4355231" cy="646331"/>
+          </a:xfrm>
+          <a:prstGeom prst="rect">
+            <a:avLst/>
+          </a:prstGeom>
+          <a:noFill/>
+        </p:spPr>
+        <p:txBody>
+          <a:bodyPr wrap="none" rtlCol="0">
+            <a:spAutoFit/>
+          </a:bodyPr>
+          <a:lstStyle/>
+          <a:p>
+            <a:pPr algn="ctr"/>
+            <a:r>
+              <a:rPr lang="en-US" dirty="0"/>
+              <a:t>Write your name in the space provided</a:t>
+            </a:r>
+          </a:p>
+          <a:p>
+            <a:pPr algn="ctr"/>
+            <a:r>
+              <a:rPr lang="en-US" dirty="0"/>
+              <a:t>Fold on lines &amp; place on desk in front of you.</a:t>
+            </a:r>
+          </a:p>
+        </p:txBody>
+      </p:sp>
+    </p:spTree>
+    <p:extLst>
+      <p:ext uri="{BB962C8B-B14F-4D97-AF65-F5344CB8AC3E}">
+        <p14:creationId xmlns:p14="http://schemas.microsoft.com/office/powerpoint/2010/main" val="4255657501"/>
+      </p:ext>
+    </p:extLst>
+  </p:cSld>
+  <p:clrMapOvr>
+    <a:masterClrMapping/>
+  </p:clrMapOvr>
+</p:sld>
+</file>
+
+<file path=ppt/slides/slide5.xml><?xml version="1.0" encoding="utf-8"?>
+<p:sld xmlns:a="http://schemas.openxmlformats.org/drawingml/2006/main" xmlns:r="http://schemas.openxmlformats.org/officeDocument/2006/relationships" xmlns:p="http://schemas.openxmlformats.org/presentationml/2006/main">
+  <p:cSld>
+    <p:spTree>
+      <p:nvGrpSpPr>
+        <p:cNvPr id="1" name=""/>
+        <p:cNvGrpSpPr/>
+        <p:nvPr/>
+      </p:nvGrpSpPr>
+      <p:grpSpPr>
+        <a:xfrm>
+          <a:off x="0" y="0"/>
+          <a:ext cx="0" cy="0"/>
+          <a:chOff x="0" y="0"/>
+          <a:chExt cx="0" cy="0"/>
+        </a:xfrm>
+      </p:grpSpPr>
+      <p:sp>
+        <p:nvSpPr>
+          <p:cNvPr id="2" name="Title 1">
+            <a:extLst>
+              <a:ext uri="{FF2B5EF4-FFF2-40B4-BE49-F238E27FC236}">
+                <a16:creationId xmlns:a16="http://schemas.microsoft.com/office/drawing/2014/main" id="{A9AFB713-AE44-4679-830C-43C29AB502B9}"/>
+              </a:ext>
+            </a:extLst>
+          </p:cNvPr>
+          <p:cNvSpPr>
+            <a:spLocks noGrp="1"/>
+          </p:cNvSpPr>
+          <p:nvPr>
+            <p:ph type="title"/>
+          </p:nvPr>
+        </p:nvSpPr>
+        <p:spPr/>
+        <p:txBody>
+          <a:bodyPr/>
+          <a:lstStyle/>
+          <a:p>
+            <a:r>
+              <a:rPr lang="en-US" dirty="0"/>
+              <a:t>About me</a:t>
+            </a:r>
+          </a:p>
+        </p:txBody>
+      </p:sp>
+      <p:sp>
+        <p:nvSpPr>
+          <p:cNvPr id="3" name="Content Placeholder 2">
+            <a:extLst>
+              <a:ext uri="{FF2B5EF4-FFF2-40B4-BE49-F238E27FC236}">
+                <a16:creationId xmlns:a16="http://schemas.microsoft.com/office/drawing/2014/main" id="{D330CDCF-2BF4-4246-B050-72931254A01E}"/>
+              </a:ext>
+            </a:extLst>
+          </p:cNvPr>
+          <p:cNvSpPr>
+            <a:spLocks noGrp="1"/>
+          </p:cNvSpPr>
+          <p:nvPr>
+            <p:ph idx="1"/>
+          </p:nvPr>
+        </p:nvSpPr>
+        <p:spPr/>
+        <p:txBody>
+          <a:bodyPr/>
+          <a:lstStyle/>
+          <a:p>
+            <a:r>
+              <a:rPr lang="en-US" dirty="0"/>
+              <a:t>Name:</a:t>
+            </a:r>
+          </a:p>
+          <a:p>
+            <a:r>
+              <a:rPr lang="en-US" dirty="0"/>
+              <a:t>School:</a:t>
+            </a:r>
+          </a:p>
+          <a:p>
+            <a:r>
+              <a:rPr lang="en-US" dirty="0"/>
+              <a:t>What I hope to learn:</a:t>
+            </a:r>
+          </a:p>
+          <a:p>
+            <a:endParaRPr lang="en-US" dirty="0"/>
+          </a:p>
+          <a:p>
+            <a:endParaRPr lang="en-US" dirty="0"/>
+          </a:p>
+          <a:p>
+            <a:endParaRPr lang="en-US" dirty="0"/>
+          </a:p>
+          <a:p>
+            <a:r>
+              <a:rPr lang="en-US" dirty="0"/>
+              <a:t>Something in my life that uses computer code that I cannot live without:</a:t>
+            </a:r>
+          </a:p>
+        </p:txBody>
+      </p:sp>
+    </p:spTree>
+    <p:extLst>
+      <p:ext uri="{BB962C8B-B14F-4D97-AF65-F5344CB8AC3E}">
+        <p14:creationId xmlns:p14="http://schemas.microsoft.com/office/powerpoint/2010/main" val="555006130"/>
       </p:ext>
     </p:extLst>
   </p:cSld>
